--- a/architecture.pptx
+++ b/architecture.pptx
@@ -9995,6 +9995,7 @@
               <a:rPr lang="ko-KR" altLang="en-US" sz="900" dirty="0"/>
               <a:t>정지신호</a:t>
             </a:r>
+            <a:endParaRPr lang="en-US" altLang="ko-KR" sz="900" dirty="0"/>
           </a:p>
         </p:txBody>
       </p:sp>
@@ -10027,7 +10028,7 @@
           <a:lstStyle/>
           <a:p>
             <a:r>
-              <a:rPr lang="ko-KR" altLang="en-US" sz="900"/>
+              <a:rPr lang="ko-KR" altLang="en-US" sz="900" dirty="0"/>
               <a:t>정지신호</a:t>
             </a:r>
           </a:p>
@@ -10142,7 +10143,7 @@
           <a:lstStyle/>
           <a:p>
             <a:r>
-              <a:rPr lang="ko-KR" altLang="en-US" sz="900"/>
+              <a:rPr lang="ko-KR" altLang="en-US" sz="900" dirty="0" err="1"/>
               <a:t>조향각</a:t>
             </a:r>
             <a:endParaRPr lang="ko-KR" altLang="en-US" sz="900" dirty="0"/>

--- a/architecture.pptx
+++ b/architecture.pptx
@@ -7747,6 +7747,16 @@
             <a:p>
               <a:pPr algn="ctr"/>
               <a:r>
+                <a:rPr lang="en-US" altLang="ko-KR" dirty="0" err="1">
+                  <a:solidFill>
+                    <a:schemeClr val="tx1"/>
+                  </a:solidFill>
+                  <a:latin typeface="1훈새마을운동 R" panose="02020603020101020101" pitchFamily="18" charset="-127"/>
+                  <a:ea typeface="1훈새마을운동 R" panose="02020603020101020101" pitchFamily="18" charset="-127"/>
+                </a:rPr>
+                <a:t>turn_straight</a:t>
+              </a:r>
+              <a:r>
                 <a:rPr lang="en-US" altLang="ko-KR" dirty="0">
                   <a:solidFill>
                     <a:schemeClr val="tx1"/>
@@ -7754,7 +7764,50 @@
                   <a:latin typeface="1훈새마을운동 R" panose="02020603020101020101" pitchFamily="18" charset="-127"/>
                   <a:ea typeface="1훈새마을운동 R" panose="02020603020101020101" pitchFamily="18" charset="-127"/>
                 </a:rPr>
-                <a:t>turn(angle)</a:t>
+                <a:t>()</a:t>
+              </a:r>
+            </a:p>
+            <a:p>
+              <a:pPr algn="ctr"/>
+              <a:r>
+                <a:rPr lang="en-US" altLang="ko-KR" sz="1050" dirty="0">
+                  <a:solidFill>
+                    <a:schemeClr val="tx1"/>
+                  </a:solidFill>
+                  <a:latin typeface="1훈새마을운동 R" panose="02020603020101020101" pitchFamily="18" charset="-127"/>
+                  <a:ea typeface="1훈새마을운동 R" panose="02020603020101020101" pitchFamily="18" charset="-127"/>
+                </a:rPr>
+                <a:t>//</a:t>
+              </a:r>
+              <a:r>
+                <a:rPr lang="ko-KR" altLang="en-US" sz="1050" dirty="0" err="1">
+                  <a:solidFill>
+                    <a:schemeClr val="tx1"/>
+                  </a:solidFill>
+                  <a:latin typeface="1훈새마을운동 R" panose="02020603020101020101" pitchFamily="18" charset="-127"/>
+                  <a:ea typeface="1훈새마을운동 R" panose="02020603020101020101" pitchFamily="18" charset="-127"/>
+                </a:rPr>
+                <a:t>앞으로가기</a:t>
+              </a:r>
+              <a:endParaRPr lang="en-US" altLang="ko-KR" sz="1050" dirty="0">
+                <a:solidFill>
+                  <a:schemeClr val="tx1"/>
+                </a:solidFill>
+                <a:latin typeface="1훈새마을운동 R" panose="02020603020101020101" pitchFamily="18" charset="-127"/>
+                <a:ea typeface="1훈새마을운동 R" panose="02020603020101020101" pitchFamily="18" charset="-127"/>
+              </a:endParaRPr>
+            </a:p>
+            <a:p>
+              <a:pPr algn="ctr"/>
+              <a:r>
+                <a:rPr lang="en-US" altLang="ko-KR" dirty="0">
+                  <a:solidFill>
+                    <a:schemeClr val="tx1"/>
+                  </a:solidFill>
+                  <a:latin typeface="1훈새마을운동 R" panose="02020603020101020101" pitchFamily="18" charset="-127"/>
+                  <a:ea typeface="1훈새마을운동 R" panose="02020603020101020101" pitchFamily="18" charset="-127"/>
+                </a:rPr>
+                <a:t>Turn(angle)</a:t>
               </a:r>
               <a:br>
                 <a:rPr lang="en-US" altLang="ko-KR" dirty="0">
@@ -7796,16 +7849,6 @@
             <a:p>
               <a:pPr algn="ctr"/>
               <a:r>
-                <a:rPr lang="en-US" altLang="ko-KR" dirty="0" err="1">
-                  <a:solidFill>
-                    <a:schemeClr val="tx1"/>
-                  </a:solidFill>
-                  <a:latin typeface="1훈새마을운동 R" panose="02020603020101020101" pitchFamily="18" charset="-127"/>
-                  <a:ea typeface="1훈새마을운동 R" panose="02020603020101020101" pitchFamily="18" charset="-127"/>
-                </a:rPr>
-                <a:t>Break_on</a:t>
-              </a:r>
-              <a:r>
                 <a:rPr lang="en-US" altLang="ko-KR" dirty="0">
                   <a:solidFill>
                     <a:schemeClr val="tx1"/>
@@ -7813,7 +7856,7 @@
                   <a:latin typeface="1훈새마을운동 R" panose="02020603020101020101" pitchFamily="18" charset="-127"/>
                   <a:ea typeface="1훈새마을운동 R" panose="02020603020101020101" pitchFamily="18" charset="-127"/>
                 </a:rPr>
-                <a:t>()</a:t>
+                <a:t>stop()</a:t>
               </a:r>
               <a:br>
                 <a:rPr lang="en-US" altLang="ko-KR" dirty="0">
@@ -7855,6 +7898,16 @@
             <a:p>
               <a:pPr algn="ctr"/>
               <a:r>
+                <a:rPr lang="en-US" altLang="ko-KR" dirty="0">
+                  <a:solidFill>
+                    <a:schemeClr val="tx1"/>
+                  </a:solidFill>
+                  <a:latin typeface="1훈새마을운동 R" panose="02020603020101020101" pitchFamily="18" charset="-127"/>
+                  <a:ea typeface="1훈새마을운동 R" panose="02020603020101020101" pitchFamily="18" charset="-127"/>
+                </a:rPr>
+                <a:t>Arduino(angle, </a:t>
+              </a:r>
+              <a:r>
                 <a:rPr lang="en-US" altLang="ko-KR" dirty="0" err="1">
                   <a:solidFill>
                     <a:schemeClr val="tx1"/>
@@ -7862,7 +7915,7 @@
                   <a:latin typeface="1훈새마을운동 R" panose="02020603020101020101" pitchFamily="18" charset="-127"/>
                   <a:ea typeface="1훈새마을운동 R" panose="02020603020101020101" pitchFamily="18" charset="-127"/>
                 </a:rPr>
-                <a:t>Break_off</a:t>
+                <a:t>stopSig</a:t>
               </a:r>
               <a:r>
                 <a:rPr lang="en-US" altLang="ko-KR" dirty="0">
@@ -7872,17 +7925,11 @@
                   <a:latin typeface="1훈새마을운동 R" panose="02020603020101020101" pitchFamily="18" charset="-127"/>
                   <a:ea typeface="1훈새마을운동 R" panose="02020603020101020101" pitchFamily="18" charset="-127"/>
                 </a:rPr>
-                <a:t>()</a:t>
+                <a:t>)</a:t>
               </a:r>
-              <a:br>
-                <a:rPr lang="en-US" altLang="ko-KR" dirty="0">
-                  <a:solidFill>
-                    <a:schemeClr val="tx1"/>
-                  </a:solidFill>
-                  <a:latin typeface="1훈새마을운동 R" panose="02020603020101020101" pitchFamily="18" charset="-127"/>
-                  <a:ea typeface="1훈새마을운동 R" panose="02020603020101020101" pitchFamily="18" charset="-127"/>
-                </a:rPr>
-              </a:br>
+            </a:p>
+            <a:p>
+              <a:pPr algn="ctr"/>
               <a:r>
                 <a:rPr lang="en-US" altLang="ko-KR" sz="1050" dirty="0">
                   <a:solidFill>
@@ -7894,6 +7941,16 @@
                 <a:t>//</a:t>
               </a:r>
               <a:r>
+                <a:rPr lang="ko-KR" altLang="en-US" sz="1050" dirty="0" err="1">
+                  <a:solidFill>
+                    <a:schemeClr val="tx1"/>
+                  </a:solidFill>
+                  <a:latin typeface="1훈새마을운동 R" panose="02020603020101020101" pitchFamily="18" charset="-127"/>
+                  <a:ea typeface="1훈새마을운동 R" panose="02020603020101020101" pitchFamily="18" charset="-127"/>
+                </a:rPr>
+                <a:t>아두이노</a:t>
+              </a:r>
+              <a:r>
                 <a:rPr lang="ko-KR" altLang="en-US" sz="1050" dirty="0">
                   <a:solidFill>
                     <a:schemeClr val="tx1"/>
@@ -7901,9 +7958,9 @@
                   <a:latin typeface="1훈새마을운동 R" panose="02020603020101020101" pitchFamily="18" charset="-127"/>
                   <a:ea typeface="1훈새마을운동 R" panose="02020603020101020101" pitchFamily="18" charset="-127"/>
                 </a:rPr>
-                <a:t>주행</a:t>
+                <a:t> 통신</a:t>
               </a:r>
-              <a:endParaRPr lang="ko-KR" altLang="en-US" dirty="0">
+              <a:endParaRPr lang="en-US" altLang="ko-KR" sz="1050" dirty="0">
                 <a:solidFill>
                   <a:schemeClr val="tx1"/>
                 </a:solidFill>
